--- a/Lectures/lec1-1-intro.pptx
+++ b/Lectures/lec1-1-intro.pptx
@@ -234,7 +234,7 @@
           <a:p>
             <a:fld id="{2736D85D-8AD2-3E48-9003-FE0FC165286A}" type="datetimeFigureOut">
               <a:rPr lang="en-US" smtClean="0"/>
-              <a:t>1/9/22</a:t>
+              <a:t>1/10/22</a:t>
             </a:fld>
             <a:endParaRPr lang="en-US"/>
           </a:p>
@@ -1055,7 +1055,7 @@
           <a:p>
             <a:fld id="{35D85923-D546-E442-8909-5472EDFA0E7D}" type="datetime1">
               <a:rPr lang="en-CA" smtClean="0"/>
-              <a:t>2022-01-09</a:t>
+              <a:t>2022-01-10</a:t>
             </a:fld>
             <a:endParaRPr lang="en-US"/>
           </a:p>
@@ -1225,7 +1225,7 @@
           <a:p>
             <a:fld id="{23F98E76-9593-1548-952A-357A50AC8339}" type="datetime1">
               <a:rPr lang="en-CA" smtClean="0"/>
-              <a:t>2022-01-09</a:t>
+              <a:t>2022-01-10</a:t>
             </a:fld>
             <a:endParaRPr lang="en-US"/>
           </a:p>
@@ -1405,7 +1405,7 @@
           <a:p>
             <a:fld id="{7D9C3CE5-62A9-BB47-908E-BB6B2A9178DB}" type="datetime1">
               <a:rPr lang="en-CA" smtClean="0"/>
-              <a:t>2022-01-09</a:t>
+              <a:t>2022-01-10</a:t>
             </a:fld>
             <a:endParaRPr lang="en-US"/>
           </a:p>
@@ -1577,7 +1577,7 @@
           <a:p>
             <a:fld id="{7A5B444F-CF13-EB4D-B033-431C52C794D6}" type="datetime1">
               <a:rPr lang="en-CA" smtClean="0"/>
-              <a:t>2022-01-09</a:t>
+              <a:t>2022-01-10</a:t>
             </a:fld>
             <a:endParaRPr lang="en-US"/>
           </a:p>
@@ -1821,7 +1821,7 @@
           <a:p>
             <a:fld id="{E5EFDA73-B2EB-B445-925F-85522C1DAB04}" type="datetime1">
               <a:rPr lang="en-CA" smtClean="0"/>
-              <a:t>2022-01-09</a:t>
+              <a:t>2022-01-10</a:t>
             </a:fld>
             <a:endParaRPr lang="en-US"/>
           </a:p>
@@ -2053,7 +2053,7 @@
           <a:p>
             <a:fld id="{525B5306-57E1-D04B-B6A8-3C384253ACB8}" type="datetime1">
               <a:rPr lang="en-CA" smtClean="0"/>
-              <a:t>2022-01-09</a:t>
+              <a:t>2022-01-10</a:t>
             </a:fld>
             <a:endParaRPr lang="en-US"/>
           </a:p>
@@ -2420,7 +2420,7 @@
           <a:p>
             <a:fld id="{CB214F48-1A4A-8342-83E3-C5449A54A0D5}" type="datetime1">
               <a:rPr lang="en-CA" smtClean="0"/>
-              <a:t>2022-01-09</a:t>
+              <a:t>2022-01-10</a:t>
             </a:fld>
             <a:endParaRPr lang="en-US"/>
           </a:p>
@@ -2538,7 +2538,7 @@
           <a:p>
             <a:fld id="{120370AA-9A1E-8543-9576-00C3B45C86F2}" type="datetime1">
               <a:rPr lang="en-CA" smtClean="0"/>
-              <a:t>2022-01-09</a:t>
+              <a:t>2022-01-10</a:t>
             </a:fld>
             <a:endParaRPr lang="en-US"/>
           </a:p>
@@ -2633,7 +2633,7 @@
           <a:p>
             <a:fld id="{A9EBB17A-B0FA-6F45-9FEB-A1FF9082E689}" type="datetime1">
               <a:rPr lang="en-CA" smtClean="0"/>
-              <a:t>2022-01-09</a:t>
+              <a:t>2022-01-10</a:t>
             </a:fld>
             <a:endParaRPr lang="en-US"/>
           </a:p>
@@ -2910,7 +2910,7 @@
           <a:p>
             <a:fld id="{49318C85-639D-0740-88D8-229A2B2FF225}" type="datetime1">
               <a:rPr lang="en-CA" smtClean="0"/>
-              <a:t>2022-01-09</a:t>
+              <a:t>2022-01-10</a:t>
             </a:fld>
             <a:endParaRPr lang="en-US"/>
           </a:p>
@@ -3167,7 +3167,7 @@
           <a:p>
             <a:fld id="{D3333545-C6A1-A64F-AEA0-0BA1C907176D}" type="datetime1">
               <a:rPr lang="en-CA" smtClean="0"/>
-              <a:t>2022-01-09</a:t>
+              <a:t>2022-01-10</a:t>
             </a:fld>
             <a:endParaRPr lang="en-US"/>
           </a:p>
@@ -3380,7 +3380,7 @@
           <a:p>
             <a:fld id="{A5A72A24-E724-A440-8F66-2F339B45ED56}" type="datetime1">
               <a:rPr lang="en-CA" smtClean="0"/>
-              <a:t>2022-01-09</a:t>
+              <a:t>2022-01-10</a:t>
             </a:fld>
             <a:endParaRPr lang="en-US"/>
           </a:p>
@@ -13295,7 +13295,39 @@
             </a:r>
             <a:r>
               <a:rPr lang="en-US" altLang="zh-CN" dirty="0"/>
-              <a:t>TBD</a:t>
+              <a:t>Monday</a:t>
+            </a:r>
+            <a:r>
+              <a:rPr lang="zh-CN" altLang="en-US" dirty="0"/>
+              <a:t> </a:t>
+            </a:r>
+            <a:r>
+              <a:rPr lang="en-US" altLang="zh-CN" dirty="0"/>
+              <a:t>12:30</a:t>
+            </a:r>
+            <a:r>
+              <a:rPr lang="zh-CN" altLang="en-US" dirty="0"/>
+              <a:t> </a:t>
+            </a:r>
+            <a:r>
+              <a:rPr lang="en-US" altLang="zh-CN" dirty="0"/>
+              <a:t>–</a:t>
+            </a:r>
+            <a:r>
+              <a:rPr lang="zh-CN" altLang="en-US" dirty="0"/>
+              <a:t> </a:t>
+            </a:r>
+            <a:r>
+              <a:rPr lang="en-US" altLang="zh-CN" dirty="0"/>
+              <a:t>2:30,</a:t>
+            </a:r>
+            <a:r>
+              <a:rPr lang="zh-CN" altLang="en-US" dirty="0"/>
+              <a:t> </a:t>
+            </a:r>
+            <a:r>
+              <a:rPr lang="en-US" altLang="zh-CN" dirty="0"/>
+              <a:t>Zoom</a:t>
             </a:r>
             <a:endParaRPr lang="en-CA" dirty="0"/>
           </a:p>
@@ -13327,6 +13359,82 @@
               <a:t>3</a:t>
             </a:fld>
             <a:endParaRPr lang="en-US"/>
+          </a:p>
+        </p:txBody>
+      </p:sp>
+      <p:sp>
+        <p:nvSpPr>
+          <p:cNvPr id="5" name="TextBox 4">
+            <a:extLst>
+              <a:ext uri="{FF2B5EF4-FFF2-40B4-BE49-F238E27FC236}">
+                <a16:creationId xmlns:a16="http://schemas.microsoft.com/office/drawing/2014/main" id="{9923E091-D404-1B4D-805A-AB80ACF24B9C}"/>
+              </a:ext>
+            </a:extLst>
+          </p:cNvPr>
+          <p:cNvSpPr txBox="1"/>
+          <p:nvPr/>
+        </p:nvSpPr>
+        <p:spPr>
+          <a:xfrm>
+            <a:off x="2100263" y="6217447"/>
+            <a:ext cx="3876767" cy="461665"/>
+          </a:xfrm>
+          <a:prstGeom prst="rect">
+            <a:avLst/>
+          </a:prstGeom>
+          <a:noFill/>
+        </p:spPr>
+        <p:txBody>
+          <a:bodyPr wrap="none" rtlCol="0">
+            <a:spAutoFit/>
+          </a:bodyPr>
+          <a:lstStyle/>
+          <a:p>
+            <a:r>
+              <a:rPr lang="en-US" altLang="zh-CN" sz="2400" dirty="0"/>
+              <a:t>Office</a:t>
+            </a:r>
+            <a:r>
+              <a:rPr lang="zh-CN" altLang="en-US" sz="2400" dirty="0"/>
+              <a:t> </a:t>
+            </a:r>
+            <a:r>
+              <a:rPr lang="en-US" altLang="zh-CN" sz="2400" dirty="0"/>
+              <a:t>hours</a:t>
+            </a:r>
+            <a:r>
+              <a:rPr lang="zh-CN" altLang="en-US" sz="2400" dirty="0"/>
+              <a:t> </a:t>
+            </a:r>
+            <a:r>
+              <a:rPr lang="en-US" altLang="zh-CN" sz="2400" dirty="0"/>
+              <a:t>start</a:t>
+            </a:r>
+            <a:r>
+              <a:rPr lang="zh-CN" altLang="en-US" sz="2400" dirty="0"/>
+              <a:t> </a:t>
+            </a:r>
+            <a:r>
+              <a:rPr lang="en-US" altLang="zh-CN" sz="2400" dirty="0"/>
+              <a:t>from</a:t>
+            </a:r>
+            <a:r>
+              <a:rPr lang="zh-CN" altLang="en-US" sz="2400" dirty="0"/>
+              <a:t> </a:t>
+            </a:r>
+            <a:r>
+              <a:rPr lang="en-US" altLang="zh-CN" sz="2400" u="sng" dirty="0"/>
+              <a:t>Jan</a:t>
+            </a:r>
+            <a:r>
+              <a:rPr lang="zh-CN" altLang="en-US" sz="2400" u="sng" dirty="0"/>
+              <a:t> </a:t>
+            </a:r>
+            <a:r>
+              <a:rPr lang="en-US" altLang="zh-CN" sz="2400" u="sng" dirty="0"/>
+              <a:t>17</a:t>
+            </a:r>
+            <a:endParaRPr lang="en-US" sz="2400" u="sng" dirty="0"/>
           </a:p>
         </p:txBody>
       </p:sp>
